--- a/ppt 16-9/0487.天地里的庄稼.pptx
+++ b/ppt 16-9/0487.天地里的庄稼.pptx
@@ -129,7 +129,7 @@
           <p:cNvPr id="2" name="标题 1">
             <a:extLst>
               <a:ext uri="{FF2B5EF4-FFF2-40B4-BE49-F238E27FC236}">
-                <a16:creationId xmlns:a16="http://schemas.microsoft.com/office/drawing/2014/main" id="{0E448939-22FC-098E-98F6-9F024332AA68}"/>
+                <a16:creationId xmlns:a16="http://schemas.microsoft.com/office/drawing/2014/main" id="{2E8837DA-BB31-F227-4CDD-F28D9FD3603D}"/>
               </a:ext>
             </a:extLst>
           </p:cNvPr>
@@ -166,7 +166,7 @@
           <p:cNvPr id="3" name="副标题 2">
             <a:extLst>
               <a:ext uri="{FF2B5EF4-FFF2-40B4-BE49-F238E27FC236}">
-                <a16:creationId xmlns:a16="http://schemas.microsoft.com/office/drawing/2014/main" id="{64B0FC5C-C88D-9BA8-43FE-9CA39485A269}"/>
+                <a16:creationId xmlns:a16="http://schemas.microsoft.com/office/drawing/2014/main" id="{27ABE474-3586-A8CD-995F-F20DC864D970}"/>
               </a:ext>
             </a:extLst>
           </p:cNvPr>
@@ -236,7 +236,7 @@
           <p:cNvPr id="4" name="日期占位符 3">
             <a:extLst>
               <a:ext uri="{FF2B5EF4-FFF2-40B4-BE49-F238E27FC236}">
-                <a16:creationId xmlns:a16="http://schemas.microsoft.com/office/drawing/2014/main" id="{32E35478-747E-9569-8473-D6B04DF68D33}"/>
+                <a16:creationId xmlns:a16="http://schemas.microsoft.com/office/drawing/2014/main" id="{5FF7FD31-1FC4-3476-B2C4-B16D61B34FD4}"/>
               </a:ext>
             </a:extLst>
           </p:cNvPr>
@@ -252,7 +252,7 @@
           <a:bodyPr/>
           <a:lstStyle/>
           <a:p>
-            <a:fld id="{298F3CC0-EDAC-484B-8E9C-E3DF96D17272}" type="datetimeFigureOut">
+            <a:fld id="{C25FD92C-40C3-493D-AF88-93C63098161E}" type="datetimeFigureOut">
               <a:rPr lang="zh-CN" altLang="en-US" smtClean="0"/>
               <a:t>2024/3/10</a:t>
             </a:fld>
@@ -265,7 +265,7 @@
           <p:cNvPr id="5" name="页脚占位符 4">
             <a:extLst>
               <a:ext uri="{FF2B5EF4-FFF2-40B4-BE49-F238E27FC236}">
-                <a16:creationId xmlns:a16="http://schemas.microsoft.com/office/drawing/2014/main" id="{B1B9CAF5-E4A9-0A83-C33B-FCC78E3588C6}"/>
+                <a16:creationId xmlns:a16="http://schemas.microsoft.com/office/drawing/2014/main" id="{15BC87C5-0C62-D484-9324-1533171F2FE5}"/>
               </a:ext>
             </a:extLst>
           </p:cNvPr>
@@ -290,7 +290,7 @@
           <p:cNvPr id="6" name="灯片编号占位符 5">
             <a:extLst>
               <a:ext uri="{FF2B5EF4-FFF2-40B4-BE49-F238E27FC236}">
-                <a16:creationId xmlns:a16="http://schemas.microsoft.com/office/drawing/2014/main" id="{BF34A324-C56F-5CF6-00F9-CA17997D1AA4}"/>
+                <a16:creationId xmlns:a16="http://schemas.microsoft.com/office/drawing/2014/main" id="{3541CD88-D5DE-026D-73E3-8E98587FBEC4}"/>
               </a:ext>
             </a:extLst>
           </p:cNvPr>
@@ -306,7 +306,7 @@
           <a:bodyPr/>
           <a:lstStyle/>
           <a:p>
-            <a:fld id="{B6CFA6AA-9C3D-42D0-8780-23BBD673C075}" type="slidenum">
+            <a:fld id="{BEC0856F-0E0F-4438-A454-2A8778ABB5EB}" type="slidenum">
               <a:rPr lang="zh-CN" altLang="en-US" smtClean="0"/>
               <a:t>‹#›</a:t>
             </a:fld>
@@ -317,7 +317,7 @@
     </p:spTree>
     <p:extLst>
       <p:ext uri="{BB962C8B-B14F-4D97-AF65-F5344CB8AC3E}">
-        <p14:creationId xmlns:p14="http://schemas.microsoft.com/office/powerpoint/2010/main" val="1070823586"/>
+        <p14:creationId xmlns:p14="http://schemas.microsoft.com/office/powerpoint/2010/main" val="4007348212"/>
       </p:ext>
     </p:extLst>
   </p:cSld>
@@ -349,7 +349,7 @@
           <p:cNvPr id="2" name="标题 1">
             <a:extLst>
               <a:ext uri="{FF2B5EF4-FFF2-40B4-BE49-F238E27FC236}">
-                <a16:creationId xmlns:a16="http://schemas.microsoft.com/office/drawing/2014/main" id="{678D04A4-A5D3-4E5F-3E1A-F8D95A7B439A}"/>
+                <a16:creationId xmlns:a16="http://schemas.microsoft.com/office/drawing/2014/main" id="{90C261F6-5C31-03A4-3D94-CAE56D5763C5}"/>
               </a:ext>
             </a:extLst>
           </p:cNvPr>
@@ -377,7 +377,7 @@
           <p:cNvPr id="3" name="竖排文字占位符 2">
             <a:extLst>
               <a:ext uri="{FF2B5EF4-FFF2-40B4-BE49-F238E27FC236}">
-                <a16:creationId xmlns:a16="http://schemas.microsoft.com/office/drawing/2014/main" id="{3DFB3A5F-8050-E1CC-BF82-638AA8F68538}"/>
+                <a16:creationId xmlns:a16="http://schemas.microsoft.com/office/drawing/2014/main" id="{AC01FC1A-04F2-9185-6C4A-A3303279BF14}"/>
               </a:ext>
             </a:extLst>
           </p:cNvPr>
@@ -434,7 +434,7 @@
           <p:cNvPr id="4" name="日期占位符 3">
             <a:extLst>
               <a:ext uri="{FF2B5EF4-FFF2-40B4-BE49-F238E27FC236}">
-                <a16:creationId xmlns:a16="http://schemas.microsoft.com/office/drawing/2014/main" id="{812D429B-0A05-1E20-1BA7-57FEA093955B}"/>
+                <a16:creationId xmlns:a16="http://schemas.microsoft.com/office/drawing/2014/main" id="{AC67F4BB-3E63-564E-5FF5-C49A165DCE68}"/>
               </a:ext>
             </a:extLst>
           </p:cNvPr>
@@ -450,7 +450,7 @@
           <a:bodyPr/>
           <a:lstStyle/>
           <a:p>
-            <a:fld id="{298F3CC0-EDAC-484B-8E9C-E3DF96D17272}" type="datetimeFigureOut">
+            <a:fld id="{C25FD92C-40C3-493D-AF88-93C63098161E}" type="datetimeFigureOut">
               <a:rPr lang="zh-CN" altLang="en-US" smtClean="0"/>
               <a:t>2024/3/10</a:t>
             </a:fld>
@@ -463,7 +463,7 @@
           <p:cNvPr id="5" name="页脚占位符 4">
             <a:extLst>
               <a:ext uri="{FF2B5EF4-FFF2-40B4-BE49-F238E27FC236}">
-                <a16:creationId xmlns:a16="http://schemas.microsoft.com/office/drawing/2014/main" id="{225556E8-BB0B-095E-C674-312778004C9C}"/>
+                <a16:creationId xmlns:a16="http://schemas.microsoft.com/office/drawing/2014/main" id="{D5E516DF-69E5-4E74-9A99-8555C66F1849}"/>
               </a:ext>
             </a:extLst>
           </p:cNvPr>
@@ -488,7 +488,7 @@
           <p:cNvPr id="6" name="灯片编号占位符 5">
             <a:extLst>
               <a:ext uri="{FF2B5EF4-FFF2-40B4-BE49-F238E27FC236}">
-                <a16:creationId xmlns:a16="http://schemas.microsoft.com/office/drawing/2014/main" id="{E4E67443-0008-FD1A-ADF4-C0F9FFCA4148}"/>
+                <a16:creationId xmlns:a16="http://schemas.microsoft.com/office/drawing/2014/main" id="{C38F0672-4770-3F26-1DD8-9467EB4C20B3}"/>
               </a:ext>
             </a:extLst>
           </p:cNvPr>
@@ -504,7 +504,7 @@
           <a:bodyPr/>
           <a:lstStyle/>
           <a:p>
-            <a:fld id="{B6CFA6AA-9C3D-42D0-8780-23BBD673C075}" type="slidenum">
+            <a:fld id="{BEC0856F-0E0F-4438-A454-2A8778ABB5EB}" type="slidenum">
               <a:rPr lang="zh-CN" altLang="en-US" smtClean="0"/>
               <a:t>‹#›</a:t>
             </a:fld>
@@ -515,7 +515,7 @@
     </p:spTree>
     <p:extLst>
       <p:ext uri="{BB962C8B-B14F-4D97-AF65-F5344CB8AC3E}">
-        <p14:creationId xmlns:p14="http://schemas.microsoft.com/office/powerpoint/2010/main" val="65384278"/>
+        <p14:creationId xmlns:p14="http://schemas.microsoft.com/office/powerpoint/2010/main" val="1487229941"/>
       </p:ext>
     </p:extLst>
   </p:cSld>
@@ -547,7 +547,7 @@
           <p:cNvPr id="2" name="竖排标题 1">
             <a:extLst>
               <a:ext uri="{FF2B5EF4-FFF2-40B4-BE49-F238E27FC236}">
-                <a16:creationId xmlns:a16="http://schemas.microsoft.com/office/drawing/2014/main" id="{DB0870B4-5C99-6A8F-ADD6-8B0CB1A20D4C}"/>
+                <a16:creationId xmlns:a16="http://schemas.microsoft.com/office/drawing/2014/main" id="{98E472A2-0264-5A45-A138-521080A77CDE}"/>
               </a:ext>
             </a:extLst>
           </p:cNvPr>
@@ -580,7 +580,7 @@
           <p:cNvPr id="3" name="竖排文字占位符 2">
             <a:extLst>
               <a:ext uri="{FF2B5EF4-FFF2-40B4-BE49-F238E27FC236}">
-                <a16:creationId xmlns:a16="http://schemas.microsoft.com/office/drawing/2014/main" id="{6AD25867-A18C-8472-B393-58A537D022AC}"/>
+                <a16:creationId xmlns:a16="http://schemas.microsoft.com/office/drawing/2014/main" id="{4DA72602-62A4-4A84-A986-72A45B0C6E8C}"/>
               </a:ext>
             </a:extLst>
           </p:cNvPr>
@@ -642,7 +642,7 @@
           <p:cNvPr id="4" name="日期占位符 3">
             <a:extLst>
               <a:ext uri="{FF2B5EF4-FFF2-40B4-BE49-F238E27FC236}">
-                <a16:creationId xmlns:a16="http://schemas.microsoft.com/office/drawing/2014/main" id="{1E750FF3-6014-8EDD-C708-59CA32500982}"/>
+                <a16:creationId xmlns:a16="http://schemas.microsoft.com/office/drawing/2014/main" id="{95451E7E-3988-089F-D41B-C8A4790299DA}"/>
               </a:ext>
             </a:extLst>
           </p:cNvPr>
@@ -658,7 +658,7 @@
           <a:bodyPr/>
           <a:lstStyle/>
           <a:p>
-            <a:fld id="{298F3CC0-EDAC-484B-8E9C-E3DF96D17272}" type="datetimeFigureOut">
+            <a:fld id="{C25FD92C-40C3-493D-AF88-93C63098161E}" type="datetimeFigureOut">
               <a:rPr lang="zh-CN" altLang="en-US" smtClean="0"/>
               <a:t>2024/3/10</a:t>
             </a:fld>
@@ -671,7 +671,7 @@
           <p:cNvPr id="5" name="页脚占位符 4">
             <a:extLst>
               <a:ext uri="{FF2B5EF4-FFF2-40B4-BE49-F238E27FC236}">
-                <a16:creationId xmlns:a16="http://schemas.microsoft.com/office/drawing/2014/main" id="{5C126F46-597D-C7AA-BE50-FD7119EF9DE0}"/>
+                <a16:creationId xmlns:a16="http://schemas.microsoft.com/office/drawing/2014/main" id="{667BF409-6BB7-804E-E41E-A175A71AB322}"/>
               </a:ext>
             </a:extLst>
           </p:cNvPr>
@@ -696,7 +696,7 @@
           <p:cNvPr id="6" name="灯片编号占位符 5">
             <a:extLst>
               <a:ext uri="{FF2B5EF4-FFF2-40B4-BE49-F238E27FC236}">
-                <a16:creationId xmlns:a16="http://schemas.microsoft.com/office/drawing/2014/main" id="{BF6CA7AB-BA8D-2F42-89AD-DA8A561A8F1D}"/>
+                <a16:creationId xmlns:a16="http://schemas.microsoft.com/office/drawing/2014/main" id="{179DB6CB-35B5-91D3-5870-C4EB1E7A93BA}"/>
               </a:ext>
             </a:extLst>
           </p:cNvPr>
@@ -712,7 +712,7 @@
           <a:bodyPr/>
           <a:lstStyle/>
           <a:p>
-            <a:fld id="{B6CFA6AA-9C3D-42D0-8780-23BBD673C075}" type="slidenum">
+            <a:fld id="{BEC0856F-0E0F-4438-A454-2A8778ABB5EB}" type="slidenum">
               <a:rPr lang="zh-CN" altLang="en-US" smtClean="0"/>
               <a:t>‹#›</a:t>
             </a:fld>
@@ -723,7 +723,7 @@
     </p:spTree>
     <p:extLst>
       <p:ext uri="{BB962C8B-B14F-4D97-AF65-F5344CB8AC3E}">
-        <p14:creationId xmlns:p14="http://schemas.microsoft.com/office/powerpoint/2010/main" val="2812940097"/>
+        <p14:creationId xmlns:p14="http://schemas.microsoft.com/office/powerpoint/2010/main" val="2637725460"/>
       </p:ext>
     </p:extLst>
   </p:cSld>
@@ -755,7 +755,7 @@
           <p:cNvPr id="2" name="标题 1">
             <a:extLst>
               <a:ext uri="{FF2B5EF4-FFF2-40B4-BE49-F238E27FC236}">
-                <a16:creationId xmlns:a16="http://schemas.microsoft.com/office/drawing/2014/main" id="{748E3711-D938-E6A9-9B94-10CA6D03C997}"/>
+                <a16:creationId xmlns:a16="http://schemas.microsoft.com/office/drawing/2014/main" id="{CA5CB753-642A-B3E6-7F77-94793671138A}"/>
               </a:ext>
             </a:extLst>
           </p:cNvPr>
@@ -783,7 +783,7 @@
           <p:cNvPr id="3" name="内容占位符 2">
             <a:extLst>
               <a:ext uri="{FF2B5EF4-FFF2-40B4-BE49-F238E27FC236}">
-                <a16:creationId xmlns:a16="http://schemas.microsoft.com/office/drawing/2014/main" id="{116C5B83-79C6-7DF5-DF27-9EBB77641616}"/>
+                <a16:creationId xmlns:a16="http://schemas.microsoft.com/office/drawing/2014/main" id="{A1D10259-9C61-4E1B-A7C3-B13D39C7A9F7}"/>
               </a:ext>
             </a:extLst>
           </p:cNvPr>
@@ -840,7 +840,7 @@
           <p:cNvPr id="4" name="日期占位符 3">
             <a:extLst>
               <a:ext uri="{FF2B5EF4-FFF2-40B4-BE49-F238E27FC236}">
-                <a16:creationId xmlns:a16="http://schemas.microsoft.com/office/drawing/2014/main" id="{AF5024F8-4F44-DBC2-3688-40C154F3B5D3}"/>
+                <a16:creationId xmlns:a16="http://schemas.microsoft.com/office/drawing/2014/main" id="{09486654-7F9E-6FF6-F3F6-08EE9EB64D8E}"/>
               </a:ext>
             </a:extLst>
           </p:cNvPr>
@@ -856,7 +856,7 @@
           <a:bodyPr/>
           <a:lstStyle/>
           <a:p>
-            <a:fld id="{298F3CC0-EDAC-484B-8E9C-E3DF96D17272}" type="datetimeFigureOut">
+            <a:fld id="{C25FD92C-40C3-493D-AF88-93C63098161E}" type="datetimeFigureOut">
               <a:rPr lang="zh-CN" altLang="en-US" smtClean="0"/>
               <a:t>2024/3/10</a:t>
             </a:fld>
@@ -869,7 +869,7 @@
           <p:cNvPr id="5" name="页脚占位符 4">
             <a:extLst>
               <a:ext uri="{FF2B5EF4-FFF2-40B4-BE49-F238E27FC236}">
-                <a16:creationId xmlns:a16="http://schemas.microsoft.com/office/drawing/2014/main" id="{99D98694-F750-0B6F-4BA7-C8BD871798C9}"/>
+                <a16:creationId xmlns:a16="http://schemas.microsoft.com/office/drawing/2014/main" id="{FF4E6BA2-FE35-7FA3-4ED5-64FB01426279}"/>
               </a:ext>
             </a:extLst>
           </p:cNvPr>
@@ -894,7 +894,7 @@
           <p:cNvPr id="6" name="灯片编号占位符 5">
             <a:extLst>
               <a:ext uri="{FF2B5EF4-FFF2-40B4-BE49-F238E27FC236}">
-                <a16:creationId xmlns:a16="http://schemas.microsoft.com/office/drawing/2014/main" id="{ADDC88DB-4740-5E3A-F831-37F944D06FB3}"/>
+                <a16:creationId xmlns:a16="http://schemas.microsoft.com/office/drawing/2014/main" id="{C882E49E-4E0B-C31B-68BE-9A70EA8078EC}"/>
               </a:ext>
             </a:extLst>
           </p:cNvPr>
@@ -910,7 +910,7 @@
           <a:bodyPr/>
           <a:lstStyle/>
           <a:p>
-            <a:fld id="{B6CFA6AA-9C3D-42D0-8780-23BBD673C075}" type="slidenum">
+            <a:fld id="{BEC0856F-0E0F-4438-A454-2A8778ABB5EB}" type="slidenum">
               <a:rPr lang="zh-CN" altLang="en-US" smtClean="0"/>
               <a:t>‹#›</a:t>
             </a:fld>
@@ -921,7 +921,7 @@
     </p:spTree>
     <p:extLst>
       <p:ext uri="{BB962C8B-B14F-4D97-AF65-F5344CB8AC3E}">
-        <p14:creationId xmlns:p14="http://schemas.microsoft.com/office/powerpoint/2010/main" val="1154601186"/>
+        <p14:creationId xmlns:p14="http://schemas.microsoft.com/office/powerpoint/2010/main" val="3693238304"/>
       </p:ext>
     </p:extLst>
   </p:cSld>
@@ -953,7 +953,7 @@
           <p:cNvPr id="2" name="标题 1">
             <a:extLst>
               <a:ext uri="{FF2B5EF4-FFF2-40B4-BE49-F238E27FC236}">
-                <a16:creationId xmlns:a16="http://schemas.microsoft.com/office/drawing/2014/main" id="{F8D928F2-FF3F-D09E-C47E-5EE06BF9E40D}"/>
+                <a16:creationId xmlns:a16="http://schemas.microsoft.com/office/drawing/2014/main" id="{6C9E7F24-1750-C3ED-E32E-716C8FD046C8}"/>
               </a:ext>
             </a:extLst>
           </p:cNvPr>
@@ -990,7 +990,7 @@
           <p:cNvPr id="3" name="文本占位符 2">
             <a:extLst>
               <a:ext uri="{FF2B5EF4-FFF2-40B4-BE49-F238E27FC236}">
-                <a16:creationId xmlns:a16="http://schemas.microsoft.com/office/drawing/2014/main" id="{00F9199B-87F5-3D60-5883-BCD758D8BC1B}"/>
+                <a16:creationId xmlns:a16="http://schemas.microsoft.com/office/drawing/2014/main" id="{F5E9DA15-908A-B352-F023-44C2FED96BC1}"/>
               </a:ext>
             </a:extLst>
           </p:cNvPr>
@@ -1115,7 +1115,7 @@
           <p:cNvPr id="4" name="日期占位符 3">
             <a:extLst>
               <a:ext uri="{FF2B5EF4-FFF2-40B4-BE49-F238E27FC236}">
-                <a16:creationId xmlns:a16="http://schemas.microsoft.com/office/drawing/2014/main" id="{585A735A-CEB3-2879-A08A-41E6AE0FDA00}"/>
+                <a16:creationId xmlns:a16="http://schemas.microsoft.com/office/drawing/2014/main" id="{F6806A1C-C09B-7739-34BE-E73F091B1E07}"/>
               </a:ext>
             </a:extLst>
           </p:cNvPr>
@@ -1131,7 +1131,7 @@
           <a:bodyPr/>
           <a:lstStyle/>
           <a:p>
-            <a:fld id="{298F3CC0-EDAC-484B-8E9C-E3DF96D17272}" type="datetimeFigureOut">
+            <a:fld id="{C25FD92C-40C3-493D-AF88-93C63098161E}" type="datetimeFigureOut">
               <a:rPr lang="zh-CN" altLang="en-US" smtClean="0"/>
               <a:t>2024/3/10</a:t>
             </a:fld>
@@ -1144,7 +1144,7 @@
           <p:cNvPr id="5" name="页脚占位符 4">
             <a:extLst>
               <a:ext uri="{FF2B5EF4-FFF2-40B4-BE49-F238E27FC236}">
-                <a16:creationId xmlns:a16="http://schemas.microsoft.com/office/drawing/2014/main" id="{C6488417-58AF-C008-8093-F974AB476517}"/>
+                <a16:creationId xmlns:a16="http://schemas.microsoft.com/office/drawing/2014/main" id="{69D4D552-C9AA-463F-2B96-7B31E28135E8}"/>
               </a:ext>
             </a:extLst>
           </p:cNvPr>
@@ -1169,7 +1169,7 @@
           <p:cNvPr id="6" name="灯片编号占位符 5">
             <a:extLst>
               <a:ext uri="{FF2B5EF4-FFF2-40B4-BE49-F238E27FC236}">
-                <a16:creationId xmlns:a16="http://schemas.microsoft.com/office/drawing/2014/main" id="{C05732E2-F538-AFEA-AC8E-3EED94D95BBC}"/>
+                <a16:creationId xmlns:a16="http://schemas.microsoft.com/office/drawing/2014/main" id="{ACC80129-3471-9C4D-E5B1-41B4154AD8D0}"/>
               </a:ext>
             </a:extLst>
           </p:cNvPr>
@@ -1185,7 +1185,7 @@
           <a:bodyPr/>
           <a:lstStyle/>
           <a:p>
-            <a:fld id="{B6CFA6AA-9C3D-42D0-8780-23BBD673C075}" type="slidenum">
+            <a:fld id="{BEC0856F-0E0F-4438-A454-2A8778ABB5EB}" type="slidenum">
               <a:rPr lang="zh-CN" altLang="en-US" smtClean="0"/>
               <a:t>‹#›</a:t>
             </a:fld>
@@ -1196,7 +1196,7 @@
     </p:spTree>
     <p:extLst>
       <p:ext uri="{BB962C8B-B14F-4D97-AF65-F5344CB8AC3E}">
-        <p14:creationId xmlns:p14="http://schemas.microsoft.com/office/powerpoint/2010/main" val="2951750638"/>
+        <p14:creationId xmlns:p14="http://schemas.microsoft.com/office/powerpoint/2010/main" val="390087269"/>
       </p:ext>
     </p:extLst>
   </p:cSld>
@@ -1228,7 +1228,7 @@
           <p:cNvPr id="2" name="标题 1">
             <a:extLst>
               <a:ext uri="{FF2B5EF4-FFF2-40B4-BE49-F238E27FC236}">
-                <a16:creationId xmlns:a16="http://schemas.microsoft.com/office/drawing/2014/main" id="{0C3DB735-AEBF-C5CE-BF5F-4AC7F2A0EFD2}"/>
+                <a16:creationId xmlns:a16="http://schemas.microsoft.com/office/drawing/2014/main" id="{A1E49052-53B2-B78C-B76E-5F99BC771BE1}"/>
               </a:ext>
             </a:extLst>
           </p:cNvPr>
@@ -1256,7 +1256,7 @@
           <p:cNvPr id="3" name="内容占位符 2">
             <a:extLst>
               <a:ext uri="{FF2B5EF4-FFF2-40B4-BE49-F238E27FC236}">
-                <a16:creationId xmlns:a16="http://schemas.microsoft.com/office/drawing/2014/main" id="{318FA7BC-A5FB-1715-F897-8A29677FDE32}"/>
+                <a16:creationId xmlns:a16="http://schemas.microsoft.com/office/drawing/2014/main" id="{8F8FAD80-4564-8C2B-E493-7DCC5D667B16}"/>
               </a:ext>
             </a:extLst>
           </p:cNvPr>
@@ -1318,7 +1318,7 @@
           <p:cNvPr id="4" name="内容占位符 3">
             <a:extLst>
               <a:ext uri="{FF2B5EF4-FFF2-40B4-BE49-F238E27FC236}">
-                <a16:creationId xmlns:a16="http://schemas.microsoft.com/office/drawing/2014/main" id="{478DF216-5393-0FE4-4862-757EBA775ADA}"/>
+                <a16:creationId xmlns:a16="http://schemas.microsoft.com/office/drawing/2014/main" id="{0FB8A1E5-2293-A8EC-A641-E3EFDBF3B8AC}"/>
               </a:ext>
             </a:extLst>
           </p:cNvPr>
@@ -1380,7 +1380,7 @@
           <p:cNvPr id="5" name="日期占位符 4">
             <a:extLst>
               <a:ext uri="{FF2B5EF4-FFF2-40B4-BE49-F238E27FC236}">
-                <a16:creationId xmlns:a16="http://schemas.microsoft.com/office/drawing/2014/main" id="{08D3367C-A357-E315-C693-B7A1470BA3D6}"/>
+                <a16:creationId xmlns:a16="http://schemas.microsoft.com/office/drawing/2014/main" id="{1EEA7DEF-2D1F-D298-E345-63734E03BB44}"/>
               </a:ext>
             </a:extLst>
           </p:cNvPr>
@@ -1396,7 +1396,7 @@
           <a:bodyPr/>
           <a:lstStyle/>
           <a:p>
-            <a:fld id="{298F3CC0-EDAC-484B-8E9C-E3DF96D17272}" type="datetimeFigureOut">
+            <a:fld id="{C25FD92C-40C3-493D-AF88-93C63098161E}" type="datetimeFigureOut">
               <a:rPr lang="zh-CN" altLang="en-US" smtClean="0"/>
               <a:t>2024/3/10</a:t>
             </a:fld>
@@ -1409,7 +1409,7 @@
           <p:cNvPr id="6" name="页脚占位符 5">
             <a:extLst>
               <a:ext uri="{FF2B5EF4-FFF2-40B4-BE49-F238E27FC236}">
-                <a16:creationId xmlns:a16="http://schemas.microsoft.com/office/drawing/2014/main" id="{40B92BC2-299D-7AC3-989F-FA55FF62EFBA}"/>
+                <a16:creationId xmlns:a16="http://schemas.microsoft.com/office/drawing/2014/main" id="{F12A56FE-F423-842F-BAF4-E1BE13B049F2}"/>
               </a:ext>
             </a:extLst>
           </p:cNvPr>
@@ -1434,7 +1434,7 @@
           <p:cNvPr id="7" name="灯片编号占位符 6">
             <a:extLst>
               <a:ext uri="{FF2B5EF4-FFF2-40B4-BE49-F238E27FC236}">
-                <a16:creationId xmlns:a16="http://schemas.microsoft.com/office/drawing/2014/main" id="{CD6D157A-9876-CF13-E0FD-52A605F0AE3B}"/>
+                <a16:creationId xmlns:a16="http://schemas.microsoft.com/office/drawing/2014/main" id="{8FAC76BD-A86E-455D-DACA-2C9963814FF0}"/>
               </a:ext>
             </a:extLst>
           </p:cNvPr>
@@ -1450,7 +1450,7 @@
           <a:bodyPr/>
           <a:lstStyle/>
           <a:p>
-            <a:fld id="{B6CFA6AA-9C3D-42D0-8780-23BBD673C075}" type="slidenum">
+            <a:fld id="{BEC0856F-0E0F-4438-A454-2A8778ABB5EB}" type="slidenum">
               <a:rPr lang="zh-CN" altLang="en-US" smtClean="0"/>
               <a:t>‹#›</a:t>
             </a:fld>
@@ -1461,7 +1461,7 @@
     </p:spTree>
     <p:extLst>
       <p:ext uri="{BB962C8B-B14F-4D97-AF65-F5344CB8AC3E}">
-        <p14:creationId xmlns:p14="http://schemas.microsoft.com/office/powerpoint/2010/main" val="438381935"/>
+        <p14:creationId xmlns:p14="http://schemas.microsoft.com/office/powerpoint/2010/main" val="4276732211"/>
       </p:ext>
     </p:extLst>
   </p:cSld>
@@ -1493,7 +1493,7 @@
           <p:cNvPr id="2" name="标题 1">
             <a:extLst>
               <a:ext uri="{FF2B5EF4-FFF2-40B4-BE49-F238E27FC236}">
-                <a16:creationId xmlns:a16="http://schemas.microsoft.com/office/drawing/2014/main" id="{3184BEE0-2093-52E9-1AA4-5D4907A2048F}"/>
+                <a16:creationId xmlns:a16="http://schemas.microsoft.com/office/drawing/2014/main" id="{426938C5-6445-16B9-6799-861ECADBCCDB}"/>
               </a:ext>
             </a:extLst>
           </p:cNvPr>
@@ -1526,7 +1526,7 @@
           <p:cNvPr id="3" name="文本占位符 2">
             <a:extLst>
               <a:ext uri="{FF2B5EF4-FFF2-40B4-BE49-F238E27FC236}">
-                <a16:creationId xmlns:a16="http://schemas.microsoft.com/office/drawing/2014/main" id="{19D5FD7C-A91A-42EA-182A-77E0F2603838}"/>
+                <a16:creationId xmlns:a16="http://schemas.microsoft.com/office/drawing/2014/main" id="{CE678CE7-35FB-B856-8825-A741BBF34A36}"/>
               </a:ext>
             </a:extLst>
           </p:cNvPr>
@@ -1597,7 +1597,7 @@
           <p:cNvPr id="4" name="内容占位符 3">
             <a:extLst>
               <a:ext uri="{FF2B5EF4-FFF2-40B4-BE49-F238E27FC236}">
-                <a16:creationId xmlns:a16="http://schemas.microsoft.com/office/drawing/2014/main" id="{35610E65-9E5A-17EF-32C8-25C0708A9152}"/>
+                <a16:creationId xmlns:a16="http://schemas.microsoft.com/office/drawing/2014/main" id="{38E2B7C0-309B-C59E-2492-6B2B80C5FCED}"/>
               </a:ext>
             </a:extLst>
           </p:cNvPr>
@@ -1659,7 +1659,7 @@
           <p:cNvPr id="5" name="文本占位符 4">
             <a:extLst>
               <a:ext uri="{FF2B5EF4-FFF2-40B4-BE49-F238E27FC236}">
-                <a16:creationId xmlns:a16="http://schemas.microsoft.com/office/drawing/2014/main" id="{8A231557-4B83-976D-7F75-A21B3901F385}"/>
+                <a16:creationId xmlns:a16="http://schemas.microsoft.com/office/drawing/2014/main" id="{191C79C7-372C-71F4-D52D-747F7ACA00DA}"/>
               </a:ext>
             </a:extLst>
           </p:cNvPr>
@@ -1730,7 +1730,7 @@
           <p:cNvPr id="6" name="内容占位符 5">
             <a:extLst>
               <a:ext uri="{FF2B5EF4-FFF2-40B4-BE49-F238E27FC236}">
-                <a16:creationId xmlns:a16="http://schemas.microsoft.com/office/drawing/2014/main" id="{806D1F96-8B52-4E9F-D089-F0F8DA251F82}"/>
+                <a16:creationId xmlns:a16="http://schemas.microsoft.com/office/drawing/2014/main" id="{F7629C58-795E-1A6F-2C4D-FAB4ED76E702}"/>
               </a:ext>
             </a:extLst>
           </p:cNvPr>
@@ -1792,7 +1792,7 @@
           <p:cNvPr id="7" name="日期占位符 6">
             <a:extLst>
               <a:ext uri="{FF2B5EF4-FFF2-40B4-BE49-F238E27FC236}">
-                <a16:creationId xmlns:a16="http://schemas.microsoft.com/office/drawing/2014/main" id="{5847A989-386F-99D0-6C00-7A3A29B33166}"/>
+                <a16:creationId xmlns:a16="http://schemas.microsoft.com/office/drawing/2014/main" id="{F5EA98AD-52BE-0B73-E011-FCE78CAB3B0D}"/>
               </a:ext>
             </a:extLst>
           </p:cNvPr>
@@ -1808,7 +1808,7 @@
           <a:bodyPr/>
           <a:lstStyle/>
           <a:p>
-            <a:fld id="{298F3CC0-EDAC-484B-8E9C-E3DF96D17272}" type="datetimeFigureOut">
+            <a:fld id="{C25FD92C-40C3-493D-AF88-93C63098161E}" type="datetimeFigureOut">
               <a:rPr lang="zh-CN" altLang="en-US" smtClean="0"/>
               <a:t>2024/3/10</a:t>
             </a:fld>
@@ -1821,7 +1821,7 @@
           <p:cNvPr id="8" name="页脚占位符 7">
             <a:extLst>
               <a:ext uri="{FF2B5EF4-FFF2-40B4-BE49-F238E27FC236}">
-                <a16:creationId xmlns:a16="http://schemas.microsoft.com/office/drawing/2014/main" id="{B9EC42FD-325E-50D6-A75B-2BCB7AD1CCC2}"/>
+                <a16:creationId xmlns:a16="http://schemas.microsoft.com/office/drawing/2014/main" id="{6A23F900-3184-628C-E876-1F0C58FF118C}"/>
               </a:ext>
             </a:extLst>
           </p:cNvPr>
@@ -1846,7 +1846,7 @@
           <p:cNvPr id="9" name="灯片编号占位符 8">
             <a:extLst>
               <a:ext uri="{FF2B5EF4-FFF2-40B4-BE49-F238E27FC236}">
-                <a16:creationId xmlns:a16="http://schemas.microsoft.com/office/drawing/2014/main" id="{FEC30C4E-D375-D56F-8CE4-F6BD82F53742}"/>
+                <a16:creationId xmlns:a16="http://schemas.microsoft.com/office/drawing/2014/main" id="{8E7DC2C3-DDC7-DE6C-7288-9FC9C09E77B1}"/>
               </a:ext>
             </a:extLst>
           </p:cNvPr>
@@ -1862,7 +1862,7 @@
           <a:bodyPr/>
           <a:lstStyle/>
           <a:p>
-            <a:fld id="{B6CFA6AA-9C3D-42D0-8780-23BBD673C075}" type="slidenum">
+            <a:fld id="{BEC0856F-0E0F-4438-A454-2A8778ABB5EB}" type="slidenum">
               <a:rPr lang="zh-CN" altLang="en-US" smtClean="0"/>
               <a:t>‹#›</a:t>
             </a:fld>
@@ -1873,7 +1873,7 @@
     </p:spTree>
     <p:extLst>
       <p:ext uri="{BB962C8B-B14F-4D97-AF65-F5344CB8AC3E}">
-        <p14:creationId xmlns:p14="http://schemas.microsoft.com/office/powerpoint/2010/main" val="3600877685"/>
+        <p14:creationId xmlns:p14="http://schemas.microsoft.com/office/powerpoint/2010/main" val="1872631635"/>
       </p:ext>
     </p:extLst>
   </p:cSld>
@@ -1905,7 +1905,7 @@
           <p:cNvPr id="2" name="标题 1">
             <a:extLst>
               <a:ext uri="{FF2B5EF4-FFF2-40B4-BE49-F238E27FC236}">
-                <a16:creationId xmlns:a16="http://schemas.microsoft.com/office/drawing/2014/main" id="{D2B21441-4563-5C55-51C0-2054F97617C3}"/>
+                <a16:creationId xmlns:a16="http://schemas.microsoft.com/office/drawing/2014/main" id="{41053ED8-77E7-8E76-FB71-C2525A655F2C}"/>
               </a:ext>
             </a:extLst>
           </p:cNvPr>
@@ -1933,7 +1933,7 @@
           <p:cNvPr id="3" name="日期占位符 2">
             <a:extLst>
               <a:ext uri="{FF2B5EF4-FFF2-40B4-BE49-F238E27FC236}">
-                <a16:creationId xmlns:a16="http://schemas.microsoft.com/office/drawing/2014/main" id="{40DB237B-8A48-B242-5E59-84BEBF14083A}"/>
+                <a16:creationId xmlns:a16="http://schemas.microsoft.com/office/drawing/2014/main" id="{D5B99F12-A2FA-7648-EB1C-6F1B694FF1CF}"/>
               </a:ext>
             </a:extLst>
           </p:cNvPr>
@@ -1949,7 +1949,7 @@
           <a:bodyPr/>
           <a:lstStyle/>
           <a:p>
-            <a:fld id="{298F3CC0-EDAC-484B-8E9C-E3DF96D17272}" type="datetimeFigureOut">
+            <a:fld id="{C25FD92C-40C3-493D-AF88-93C63098161E}" type="datetimeFigureOut">
               <a:rPr lang="zh-CN" altLang="en-US" smtClean="0"/>
               <a:t>2024/3/10</a:t>
             </a:fld>
@@ -1962,7 +1962,7 @@
           <p:cNvPr id="4" name="页脚占位符 3">
             <a:extLst>
               <a:ext uri="{FF2B5EF4-FFF2-40B4-BE49-F238E27FC236}">
-                <a16:creationId xmlns:a16="http://schemas.microsoft.com/office/drawing/2014/main" id="{E156A366-C5DC-021B-FC11-E6C4E33ED6E3}"/>
+                <a16:creationId xmlns:a16="http://schemas.microsoft.com/office/drawing/2014/main" id="{111A5191-1695-D7BD-00C4-DCF228969A42}"/>
               </a:ext>
             </a:extLst>
           </p:cNvPr>
@@ -1987,7 +1987,7 @@
           <p:cNvPr id="5" name="灯片编号占位符 4">
             <a:extLst>
               <a:ext uri="{FF2B5EF4-FFF2-40B4-BE49-F238E27FC236}">
-                <a16:creationId xmlns:a16="http://schemas.microsoft.com/office/drawing/2014/main" id="{5A8ED8C7-F889-B99C-8694-ECB4DD4E3EC1}"/>
+                <a16:creationId xmlns:a16="http://schemas.microsoft.com/office/drawing/2014/main" id="{6BC2A540-AE2E-411F-CFA5-93A36A2FC5E4}"/>
               </a:ext>
             </a:extLst>
           </p:cNvPr>
@@ -2003,7 +2003,7 @@
           <a:bodyPr/>
           <a:lstStyle/>
           <a:p>
-            <a:fld id="{B6CFA6AA-9C3D-42D0-8780-23BBD673C075}" type="slidenum">
+            <a:fld id="{BEC0856F-0E0F-4438-A454-2A8778ABB5EB}" type="slidenum">
               <a:rPr lang="zh-CN" altLang="en-US" smtClean="0"/>
               <a:t>‹#›</a:t>
             </a:fld>
@@ -2014,7 +2014,7 @@
     </p:spTree>
     <p:extLst>
       <p:ext uri="{BB962C8B-B14F-4D97-AF65-F5344CB8AC3E}">
-        <p14:creationId xmlns:p14="http://schemas.microsoft.com/office/powerpoint/2010/main" val="1868434392"/>
+        <p14:creationId xmlns:p14="http://schemas.microsoft.com/office/powerpoint/2010/main" val="1876118402"/>
       </p:ext>
     </p:extLst>
   </p:cSld>
@@ -2046,7 +2046,7 @@
           <p:cNvPr id="2" name="日期占位符 1">
             <a:extLst>
               <a:ext uri="{FF2B5EF4-FFF2-40B4-BE49-F238E27FC236}">
-                <a16:creationId xmlns:a16="http://schemas.microsoft.com/office/drawing/2014/main" id="{0C103A2D-E1DB-B62B-8600-4747A87DB2CB}"/>
+                <a16:creationId xmlns:a16="http://schemas.microsoft.com/office/drawing/2014/main" id="{1987166F-B4FD-80C3-A00D-824C9D512B84}"/>
               </a:ext>
             </a:extLst>
           </p:cNvPr>
@@ -2062,7 +2062,7 @@
           <a:bodyPr/>
           <a:lstStyle/>
           <a:p>
-            <a:fld id="{298F3CC0-EDAC-484B-8E9C-E3DF96D17272}" type="datetimeFigureOut">
+            <a:fld id="{C25FD92C-40C3-493D-AF88-93C63098161E}" type="datetimeFigureOut">
               <a:rPr lang="zh-CN" altLang="en-US" smtClean="0"/>
               <a:t>2024/3/10</a:t>
             </a:fld>
@@ -2075,7 +2075,7 @@
           <p:cNvPr id="3" name="页脚占位符 2">
             <a:extLst>
               <a:ext uri="{FF2B5EF4-FFF2-40B4-BE49-F238E27FC236}">
-                <a16:creationId xmlns:a16="http://schemas.microsoft.com/office/drawing/2014/main" id="{2C8AEA08-4B1D-A774-EAB1-6331601F7B73}"/>
+                <a16:creationId xmlns:a16="http://schemas.microsoft.com/office/drawing/2014/main" id="{6B4D9303-EB29-2C73-B2DD-5768F3B25F23}"/>
               </a:ext>
             </a:extLst>
           </p:cNvPr>
@@ -2100,7 +2100,7 @@
           <p:cNvPr id="4" name="灯片编号占位符 3">
             <a:extLst>
               <a:ext uri="{FF2B5EF4-FFF2-40B4-BE49-F238E27FC236}">
-                <a16:creationId xmlns:a16="http://schemas.microsoft.com/office/drawing/2014/main" id="{AAED313C-CBB3-5EFD-9975-D4D3C8E6755B}"/>
+                <a16:creationId xmlns:a16="http://schemas.microsoft.com/office/drawing/2014/main" id="{AAD8B760-521B-A5D8-5C0E-81B36FA5EFAA}"/>
               </a:ext>
             </a:extLst>
           </p:cNvPr>
@@ -2116,7 +2116,7 @@
           <a:bodyPr/>
           <a:lstStyle/>
           <a:p>
-            <a:fld id="{B6CFA6AA-9C3D-42D0-8780-23BBD673C075}" type="slidenum">
+            <a:fld id="{BEC0856F-0E0F-4438-A454-2A8778ABB5EB}" type="slidenum">
               <a:rPr lang="zh-CN" altLang="en-US" smtClean="0"/>
               <a:t>‹#›</a:t>
             </a:fld>
@@ -2127,7 +2127,7 @@
     </p:spTree>
     <p:extLst>
       <p:ext uri="{BB962C8B-B14F-4D97-AF65-F5344CB8AC3E}">
-        <p14:creationId xmlns:p14="http://schemas.microsoft.com/office/powerpoint/2010/main" val="3361742839"/>
+        <p14:creationId xmlns:p14="http://schemas.microsoft.com/office/powerpoint/2010/main" val="3943429929"/>
       </p:ext>
     </p:extLst>
   </p:cSld>
@@ -2159,7 +2159,7 @@
           <p:cNvPr id="2" name="标题 1">
             <a:extLst>
               <a:ext uri="{FF2B5EF4-FFF2-40B4-BE49-F238E27FC236}">
-                <a16:creationId xmlns:a16="http://schemas.microsoft.com/office/drawing/2014/main" id="{42B9C574-5C96-EF4E-4C22-D2A42C2FDDDF}"/>
+                <a16:creationId xmlns:a16="http://schemas.microsoft.com/office/drawing/2014/main" id="{AFD4B3FF-D2B5-AB3D-674A-476ABA89B831}"/>
               </a:ext>
             </a:extLst>
           </p:cNvPr>
@@ -2196,7 +2196,7 @@
           <p:cNvPr id="3" name="内容占位符 2">
             <a:extLst>
               <a:ext uri="{FF2B5EF4-FFF2-40B4-BE49-F238E27FC236}">
-                <a16:creationId xmlns:a16="http://schemas.microsoft.com/office/drawing/2014/main" id="{1354FC38-54D7-F606-F5A7-C1811738E2DE}"/>
+                <a16:creationId xmlns:a16="http://schemas.microsoft.com/office/drawing/2014/main" id="{85247C25-4A4A-6C38-6FC1-EE0C4EE2C351}"/>
               </a:ext>
             </a:extLst>
           </p:cNvPr>
@@ -2286,7 +2286,7 @@
           <p:cNvPr id="4" name="文本占位符 3">
             <a:extLst>
               <a:ext uri="{FF2B5EF4-FFF2-40B4-BE49-F238E27FC236}">
-                <a16:creationId xmlns:a16="http://schemas.microsoft.com/office/drawing/2014/main" id="{7B0A4EA5-1261-2B37-D19B-14ECE0C24CA4}"/>
+                <a16:creationId xmlns:a16="http://schemas.microsoft.com/office/drawing/2014/main" id="{B5AE02A6-D4C7-035F-B429-C4EDCA1099D7}"/>
               </a:ext>
             </a:extLst>
           </p:cNvPr>
@@ -2357,7 +2357,7 @@
           <p:cNvPr id="5" name="日期占位符 4">
             <a:extLst>
               <a:ext uri="{FF2B5EF4-FFF2-40B4-BE49-F238E27FC236}">
-                <a16:creationId xmlns:a16="http://schemas.microsoft.com/office/drawing/2014/main" id="{438E26DD-2EE4-8D2E-2DB5-4119D3B26FC4}"/>
+                <a16:creationId xmlns:a16="http://schemas.microsoft.com/office/drawing/2014/main" id="{92891999-5211-ACD6-FD0D-96DF2B2823D0}"/>
               </a:ext>
             </a:extLst>
           </p:cNvPr>
@@ -2373,7 +2373,7 @@
           <a:bodyPr/>
           <a:lstStyle/>
           <a:p>
-            <a:fld id="{298F3CC0-EDAC-484B-8E9C-E3DF96D17272}" type="datetimeFigureOut">
+            <a:fld id="{C25FD92C-40C3-493D-AF88-93C63098161E}" type="datetimeFigureOut">
               <a:rPr lang="zh-CN" altLang="en-US" smtClean="0"/>
               <a:t>2024/3/10</a:t>
             </a:fld>
@@ -2386,7 +2386,7 @@
           <p:cNvPr id="6" name="页脚占位符 5">
             <a:extLst>
               <a:ext uri="{FF2B5EF4-FFF2-40B4-BE49-F238E27FC236}">
-                <a16:creationId xmlns:a16="http://schemas.microsoft.com/office/drawing/2014/main" id="{64288F6F-B703-ED49-BDAF-10E957CD65D8}"/>
+                <a16:creationId xmlns:a16="http://schemas.microsoft.com/office/drawing/2014/main" id="{360B3C0F-40D4-E893-4E0D-CDD392676DAB}"/>
               </a:ext>
             </a:extLst>
           </p:cNvPr>
@@ -2411,7 +2411,7 @@
           <p:cNvPr id="7" name="灯片编号占位符 6">
             <a:extLst>
               <a:ext uri="{FF2B5EF4-FFF2-40B4-BE49-F238E27FC236}">
-                <a16:creationId xmlns:a16="http://schemas.microsoft.com/office/drawing/2014/main" id="{AA920D61-1FA0-36DE-C8CC-EF7DA7238DB9}"/>
+                <a16:creationId xmlns:a16="http://schemas.microsoft.com/office/drawing/2014/main" id="{BBE00B76-964D-A36C-6E9C-98358C2C47E3}"/>
               </a:ext>
             </a:extLst>
           </p:cNvPr>
@@ -2427,7 +2427,7 @@
           <a:bodyPr/>
           <a:lstStyle/>
           <a:p>
-            <a:fld id="{B6CFA6AA-9C3D-42D0-8780-23BBD673C075}" type="slidenum">
+            <a:fld id="{BEC0856F-0E0F-4438-A454-2A8778ABB5EB}" type="slidenum">
               <a:rPr lang="zh-CN" altLang="en-US" smtClean="0"/>
               <a:t>‹#›</a:t>
             </a:fld>
@@ -2438,7 +2438,7 @@
     </p:spTree>
     <p:extLst>
       <p:ext uri="{BB962C8B-B14F-4D97-AF65-F5344CB8AC3E}">
-        <p14:creationId xmlns:p14="http://schemas.microsoft.com/office/powerpoint/2010/main" val="31115388"/>
+        <p14:creationId xmlns:p14="http://schemas.microsoft.com/office/powerpoint/2010/main" val="2876779631"/>
       </p:ext>
     </p:extLst>
   </p:cSld>
@@ -2470,7 +2470,7 @@
           <p:cNvPr id="2" name="标题 1">
             <a:extLst>
               <a:ext uri="{FF2B5EF4-FFF2-40B4-BE49-F238E27FC236}">
-                <a16:creationId xmlns:a16="http://schemas.microsoft.com/office/drawing/2014/main" id="{423B349D-AF19-F857-FF57-8CE3A0C17770}"/>
+                <a16:creationId xmlns:a16="http://schemas.microsoft.com/office/drawing/2014/main" id="{E6CF58DB-ED46-62D8-7BBC-05AD4398D35C}"/>
               </a:ext>
             </a:extLst>
           </p:cNvPr>
@@ -2507,7 +2507,7 @@
           <p:cNvPr id="3" name="图片占位符 2">
             <a:extLst>
               <a:ext uri="{FF2B5EF4-FFF2-40B4-BE49-F238E27FC236}">
-                <a16:creationId xmlns:a16="http://schemas.microsoft.com/office/drawing/2014/main" id="{EB1BA565-929B-26C8-FE98-EB4A7D04D522}"/>
+                <a16:creationId xmlns:a16="http://schemas.microsoft.com/office/drawing/2014/main" id="{80C66D36-F3E2-45DE-5DE3-E954DC7854A3}"/>
               </a:ext>
             </a:extLst>
           </p:cNvPr>
@@ -2574,7 +2574,7 @@
           <p:cNvPr id="4" name="文本占位符 3">
             <a:extLst>
               <a:ext uri="{FF2B5EF4-FFF2-40B4-BE49-F238E27FC236}">
-                <a16:creationId xmlns:a16="http://schemas.microsoft.com/office/drawing/2014/main" id="{19551D85-01B1-13A9-80E2-4028D5E7C07E}"/>
+                <a16:creationId xmlns:a16="http://schemas.microsoft.com/office/drawing/2014/main" id="{92726DDE-F405-C36F-13FE-77AF17770B41}"/>
               </a:ext>
             </a:extLst>
           </p:cNvPr>
@@ -2645,7 +2645,7 @@
           <p:cNvPr id="5" name="日期占位符 4">
             <a:extLst>
               <a:ext uri="{FF2B5EF4-FFF2-40B4-BE49-F238E27FC236}">
-                <a16:creationId xmlns:a16="http://schemas.microsoft.com/office/drawing/2014/main" id="{320181DA-4E49-9FA2-F6DC-1D0D667B224A}"/>
+                <a16:creationId xmlns:a16="http://schemas.microsoft.com/office/drawing/2014/main" id="{2BAC0297-0AD8-2C5A-5713-6A6FA3B4C2DD}"/>
               </a:ext>
             </a:extLst>
           </p:cNvPr>
@@ -2661,7 +2661,7 @@
           <a:bodyPr/>
           <a:lstStyle/>
           <a:p>
-            <a:fld id="{298F3CC0-EDAC-484B-8E9C-E3DF96D17272}" type="datetimeFigureOut">
+            <a:fld id="{C25FD92C-40C3-493D-AF88-93C63098161E}" type="datetimeFigureOut">
               <a:rPr lang="zh-CN" altLang="en-US" smtClean="0"/>
               <a:t>2024/3/10</a:t>
             </a:fld>
@@ -2674,7 +2674,7 @@
           <p:cNvPr id="6" name="页脚占位符 5">
             <a:extLst>
               <a:ext uri="{FF2B5EF4-FFF2-40B4-BE49-F238E27FC236}">
-                <a16:creationId xmlns:a16="http://schemas.microsoft.com/office/drawing/2014/main" id="{F366D49C-655A-C22C-CE6A-13B5A4896481}"/>
+                <a16:creationId xmlns:a16="http://schemas.microsoft.com/office/drawing/2014/main" id="{B35C813F-4513-E212-87AB-F8975777270C}"/>
               </a:ext>
             </a:extLst>
           </p:cNvPr>
@@ -2699,7 +2699,7 @@
           <p:cNvPr id="7" name="灯片编号占位符 6">
             <a:extLst>
               <a:ext uri="{FF2B5EF4-FFF2-40B4-BE49-F238E27FC236}">
-                <a16:creationId xmlns:a16="http://schemas.microsoft.com/office/drawing/2014/main" id="{5D6433EB-98AA-FEDE-1546-F4642B55842E}"/>
+                <a16:creationId xmlns:a16="http://schemas.microsoft.com/office/drawing/2014/main" id="{C265A569-ED1D-0BC4-E0D8-FB1D27681FE1}"/>
               </a:ext>
             </a:extLst>
           </p:cNvPr>
@@ -2715,7 +2715,7 @@
           <a:bodyPr/>
           <a:lstStyle/>
           <a:p>
-            <a:fld id="{B6CFA6AA-9C3D-42D0-8780-23BBD673C075}" type="slidenum">
+            <a:fld id="{BEC0856F-0E0F-4438-A454-2A8778ABB5EB}" type="slidenum">
               <a:rPr lang="zh-CN" altLang="en-US" smtClean="0"/>
               <a:t>‹#›</a:t>
             </a:fld>
@@ -2726,7 +2726,7 @@
     </p:spTree>
     <p:extLst>
       <p:ext uri="{BB962C8B-B14F-4D97-AF65-F5344CB8AC3E}">
-        <p14:creationId xmlns:p14="http://schemas.microsoft.com/office/powerpoint/2010/main" val="2200620691"/>
+        <p14:creationId xmlns:p14="http://schemas.microsoft.com/office/powerpoint/2010/main" val="2478169758"/>
       </p:ext>
     </p:extLst>
   </p:cSld>
@@ -2763,7 +2763,7 @@
           <p:cNvPr id="2" name="标题占位符 1">
             <a:extLst>
               <a:ext uri="{FF2B5EF4-FFF2-40B4-BE49-F238E27FC236}">
-                <a16:creationId xmlns:a16="http://schemas.microsoft.com/office/drawing/2014/main" id="{A0A4B6A4-B048-D272-E611-CB8B74C2F935}"/>
+                <a16:creationId xmlns:a16="http://schemas.microsoft.com/office/drawing/2014/main" id="{23A67BC6-0654-FA72-95C1-39E9ECE27ED8}"/>
               </a:ext>
             </a:extLst>
           </p:cNvPr>
@@ -2801,7 +2801,7 @@
           <p:cNvPr id="3" name="文本占位符 2">
             <a:extLst>
               <a:ext uri="{FF2B5EF4-FFF2-40B4-BE49-F238E27FC236}">
-                <a16:creationId xmlns:a16="http://schemas.microsoft.com/office/drawing/2014/main" id="{BE1FD72E-9465-3E72-C2B3-59FD04CCA547}"/>
+                <a16:creationId xmlns:a16="http://schemas.microsoft.com/office/drawing/2014/main" id="{194D18F4-6747-7407-1E96-1C89659F2EF4}"/>
               </a:ext>
             </a:extLst>
           </p:cNvPr>
@@ -2868,7 +2868,7 @@
           <p:cNvPr id="4" name="日期占位符 3">
             <a:extLst>
               <a:ext uri="{FF2B5EF4-FFF2-40B4-BE49-F238E27FC236}">
-                <a16:creationId xmlns:a16="http://schemas.microsoft.com/office/drawing/2014/main" id="{77AC8C6B-40DB-9439-1314-977A1BA73710}"/>
+                <a16:creationId xmlns:a16="http://schemas.microsoft.com/office/drawing/2014/main" id="{B3D76BF3-89A1-C1F2-64F1-9AA3494981F1}"/>
               </a:ext>
             </a:extLst>
           </p:cNvPr>
@@ -2902,7 +2902,7 @@
             </a:lvl1pPr>
           </a:lstStyle>
           <a:p>
-            <a:fld id="{298F3CC0-EDAC-484B-8E9C-E3DF96D17272}" type="datetimeFigureOut">
+            <a:fld id="{C25FD92C-40C3-493D-AF88-93C63098161E}" type="datetimeFigureOut">
               <a:rPr lang="zh-CN" altLang="en-US" smtClean="0"/>
               <a:t>2024/3/10</a:t>
             </a:fld>
@@ -2915,7 +2915,7 @@
           <p:cNvPr id="5" name="页脚占位符 4">
             <a:extLst>
               <a:ext uri="{FF2B5EF4-FFF2-40B4-BE49-F238E27FC236}">
-                <a16:creationId xmlns:a16="http://schemas.microsoft.com/office/drawing/2014/main" id="{0C9AE7A2-562D-BB10-8881-264E4FD3B5DE}"/>
+                <a16:creationId xmlns:a16="http://schemas.microsoft.com/office/drawing/2014/main" id="{97AB8A5B-990D-02D1-4BB6-5C94F427260A}"/>
               </a:ext>
             </a:extLst>
           </p:cNvPr>
@@ -2958,7 +2958,7 @@
           <p:cNvPr id="6" name="灯片编号占位符 5">
             <a:extLst>
               <a:ext uri="{FF2B5EF4-FFF2-40B4-BE49-F238E27FC236}">
-                <a16:creationId xmlns:a16="http://schemas.microsoft.com/office/drawing/2014/main" id="{16007F38-F333-20AB-377B-AC9F3E2A30A1}"/>
+                <a16:creationId xmlns:a16="http://schemas.microsoft.com/office/drawing/2014/main" id="{7129B290-0D4C-D1C8-DBD9-563F5A0C9D95}"/>
               </a:ext>
             </a:extLst>
           </p:cNvPr>
@@ -2992,7 +2992,7 @@
             </a:lvl1pPr>
           </a:lstStyle>
           <a:p>
-            <a:fld id="{B6CFA6AA-9C3D-42D0-8780-23BBD673C075}" type="slidenum">
+            <a:fld id="{BEC0856F-0E0F-4438-A454-2A8778ABB5EB}" type="slidenum">
               <a:rPr lang="zh-CN" altLang="en-US" smtClean="0"/>
               <a:t>‹#›</a:t>
             </a:fld>
@@ -3003,7 +3003,7 @@
     </p:spTree>
     <p:extLst>
       <p:ext uri="{BB962C8B-B14F-4D97-AF65-F5344CB8AC3E}">
-        <p14:creationId xmlns:p14="http://schemas.microsoft.com/office/powerpoint/2010/main" val="258298704"/>
+        <p14:creationId xmlns:p14="http://schemas.microsoft.com/office/powerpoint/2010/main" val="1722087828"/>
       </p:ext>
     </p:extLst>
   </p:cSld>
